--- a/Document/RequiredClasses.pptx
+++ b/Document/RequiredClasses.pptx
@@ -208,7 +208,7 @@
           <a:p>
             <a:fld id="{3501A94E-C7EB-4572-A384-9A9729E1D7C8}" type="datetimeFigureOut">
               <a:rPr kumimoji="1" lang="ja-JP" altLang="en-US" smtClean="0"/>
-              <a:t>2013/4/26</a:t>
+              <a:t>2013/5/3</a:t>
             </a:fld>
             <a:endParaRPr kumimoji="1" lang="ja-JP" altLang="en-US"/>
           </a:p>
@@ -2358,7 +2358,7 @@
           <a:p>
             <a:fld id="{E90ED720-0104-4369-84BC-D37694168613}" type="datetimeFigureOut">
               <a:rPr kumimoji="1" lang="ja-JP" altLang="en-US" smtClean="0"/>
-              <a:t>2013/4/26</a:t>
+              <a:t>2013/5/3</a:t>
             </a:fld>
             <a:endParaRPr kumimoji="1" lang="ja-JP" altLang="en-US"/>
           </a:p>
@@ -2602,7 +2602,7 @@
           <a:p>
             <a:fld id="{E90ED720-0104-4369-84BC-D37694168613}" type="datetimeFigureOut">
               <a:rPr kumimoji="1" lang="ja-JP" altLang="en-US" smtClean="0"/>
-              <a:t>2013/4/26</a:t>
+              <a:t>2013/5/3</a:t>
             </a:fld>
             <a:endParaRPr kumimoji="1" lang="ja-JP" altLang="en-US"/>
           </a:p>
@@ -2821,7 +2821,7 @@
           <a:p>
             <a:fld id="{E90ED720-0104-4369-84BC-D37694168613}" type="datetimeFigureOut">
               <a:rPr kumimoji="1" lang="ja-JP" altLang="en-US" smtClean="0"/>
-              <a:t>2013/4/26</a:t>
+              <a:t>2013/5/3</a:t>
             </a:fld>
             <a:endParaRPr kumimoji="1" lang="ja-JP" altLang="en-US"/>
           </a:p>
@@ -2918,7 +2918,7 @@
           <a:p>
             <a:fld id="{E90ED720-0104-4369-84BC-D37694168613}" type="datetimeFigureOut">
               <a:rPr kumimoji="1" lang="ja-JP" altLang="en-US" smtClean="0"/>
-              <a:t>2013/4/26</a:t>
+              <a:t>2013/5/3</a:t>
             </a:fld>
             <a:endParaRPr kumimoji="1" lang="ja-JP" altLang="en-US"/>
           </a:p>
@@ -3546,7 +3546,7 @@
           <a:p>
             <a:fld id="{E90ED720-0104-4369-84BC-D37694168613}" type="datetimeFigureOut">
               <a:rPr kumimoji="1" lang="ja-JP" altLang="en-US" smtClean="0"/>
-              <a:t>2013/4/26</a:t>
+              <a:t>2013/5/3</a:t>
             </a:fld>
             <a:endParaRPr kumimoji="1" lang="ja-JP" altLang="en-US"/>
           </a:p>
@@ -3643,7 +3643,7 @@
           <a:p>
             <a:fld id="{E90ED720-0104-4369-84BC-D37694168613}" type="datetimeFigureOut">
               <a:rPr kumimoji="1" lang="ja-JP" altLang="en-US" smtClean="0"/>
-              <a:t>2013/4/26</a:t>
+              <a:t>2013/5/3</a:t>
             </a:fld>
             <a:endParaRPr kumimoji="1" lang="ja-JP" altLang="en-US"/>
           </a:p>
@@ -4376,7 +4376,7 @@
           <a:p>
             <a:fld id="{E90ED720-0104-4369-84BC-D37694168613}" type="datetimeFigureOut">
               <a:rPr kumimoji="1" lang="ja-JP" altLang="en-US" smtClean="0"/>
-              <a:t>2013/4/26</a:t>
+              <a:t>2013/5/3</a:t>
             </a:fld>
             <a:endParaRPr kumimoji="1" lang="ja-JP" altLang="en-US"/>
           </a:p>
@@ -4519,7 +4519,7 @@
           <a:p>
             <a:fld id="{E90ED720-0104-4369-84BC-D37694168613}" type="datetimeFigureOut">
               <a:rPr kumimoji="1" lang="ja-JP" altLang="en-US" smtClean="0"/>
-              <a:t>2013/4/26</a:t>
+              <a:t>2013/5/3</a:t>
             </a:fld>
             <a:endParaRPr kumimoji="1" lang="ja-JP" altLang="en-US"/>
           </a:p>
@@ -4616,7 +4616,7 @@
           <a:p>
             <a:fld id="{E90ED720-0104-4369-84BC-D37694168613}" type="datetimeFigureOut">
               <a:rPr kumimoji="1" lang="ja-JP" altLang="en-US" smtClean="0"/>
-              <a:t>2013/4/26</a:t>
+              <a:t>2013/5/3</a:t>
             </a:fld>
             <a:endParaRPr kumimoji="1" lang="ja-JP" altLang="en-US"/>
           </a:p>
@@ -4932,7 +4932,7 @@
           <a:p>
             <a:fld id="{E90ED720-0104-4369-84BC-D37694168613}" type="datetimeFigureOut">
               <a:rPr kumimoji="1" lang="ja-JP" altLang="en-US" smtClean="0"/>
-              <a:t>2013/4/26</a:t>
+              <a:t>2013/5/3</a:t>
             </a:fld>
             <a:endParaRPr kumimoji="1" lang="ja-JP" altLang="en-US"/>
           </a:p>
@@ -5454,7 +5454,7 @@
           <a:p>
             <a:fld id="{E90ED720-0104-4369-84BC-D37694168613}" type="datetimeFigureOut">
               <a:rPr kumimoji="1" lang="ja-JP" altLang="en-US" smtClean="0"/>
-              <a:t>2013/4/26</a:t>
+              <a:t>2013/5/3</a:t>
             </a:fld>
             <a:endParaRPr kumimoji="1" lang="ja-JP" altLang="en-US"/>
           </a:p>
@@ -6006,7 +6006,7 @@
           <a:p>
             <a:fld id="{E90ED720-0104-4369-84BC-D37694168613}" type="datetimeFigureOut">
               <a:rPr kumimoji="1" lang="ja-JP" altLang="en-US" smtClean="0"/>
-              <a:t>2013/4/26</a:t>
+              <a:t>2013/5/3</a:t>
             </a:fld>
             <a:endParaRPr kumimoji="1" lang="ja-JP" altLang="en-US"/>
           </a:p>
@@ -6785,16 +6785,7 @@
                   </a:solidFill>
                   <a:latin typeface="+mj-lt"/>
                 </a:rPr>
-                <a:t>Draw</a:t>
-              </a:r>
-              <a:r>
-                <a:rPr kumimoji="1" lang="en-US" altLang="ja-JP" sz="800" dirty="0" smtClean="0">
-                  <a:solidFill>
-                    <a:schemeClr val="tx1"/>
-                  </a:solidFill>
-                  <a:latin typeface="+mj-lt"/>
-                </a:rPr>
-                <a:t>( </a:t>
+                <a:t>Draw( </a:t>
               </a:r>
               <a:r>
                 <a:rPr lang="en-US" altLang="ja-JP" sz="800" dirty="0" err="1" smtClean="0">
@@ -7512,16 +7503,7 @@
                   </a:solidFill>
                   <a:latin typeface="+mj-lt"/>
                 </a:rPr>
-                <a:t>Draw</a:t>
-              </a:r>
-              <a:r>
-                <a:rPr kumimoji="1" lang="en-US" altLang="ja-JP" sz="800" dirty="0" smtClean="0">
-                  <a:solidFill>
-                    <a:schemeClr val="tx1"/>
-                  </a:solidFill>
-                  <a:latin typeface="+mj-lt"/>
-                </a:rPr>
-                <a:t>( </a:t>
+                <a:t>Draw( </a:t>
               </a:r>
               <a:r>
                 <a:rPr lang="en-US" altLang="ja-JP" sz="800" dirty="0" err="1" smtClean="0">
@@ -8929,16 +8911,7 @@
                   </a:solidFill>
                   <a:latin typeface="+mj-lt"/>
                 </a:rPr>
-                <a:t>Draw</a:t>
-              </a:r>
-              <a:r>
-                <a:rPr kumimoji="1" lang="en-US" altLang="ja-JP" sz="800" dirty="0" smtClean="0">
-                  <a:solidFill>
-                    <a:schemeClr val="tx1"/>
-                  </a:solidFill>
-                  <a:latin typeface="+mj-lt"/>
-                </a:rPr>
-                <a:t>( </a:t>
+                <a:t>Draw( </a:t>
               </a:r>
               <a:r>
                 <a:rPr lang="en-US" altLang="ja-JP" sz="800" dirty="0" err="1" smtClean="0">
@@ -10057,16 +10030,7 @@
                   </a:solidFill>
                   <a:latin typeface="+mj-lt"/>
                 </a:rPr>
-                <a:t>Draw</a:t>
-              </a:r>
-              <a:r>
-                <a:rPr kumimoji="1" lang="en-US" altLang="ja-JP" sz="800" dirty="0" smtClean="0">
-                  <a:solidFill>
-                    <a:schemeClr val="tx1"/>
-                  </a:solidFill>
-                  <a:latin typeface="+mj-lt"/>
-                </a:rPr>
-                <a:t>( </a:t>
+                <a:t>Draw( </a:t>
               </a:r>
               <a:r>
                 <a:rPr lang="en-US" altLang="ja-JP" sz="800" dirty="0" err="1" smtClean="0">
@@ -10609,16 +10573,7 @@
                   </a:solidFill>
                   <a:latin typeface="+mj-lt"/>
                 </a:rPr>
-                <a:t>Draw</a:t>
-              </a:r>
-              <a:r>
-                <a:rPr kumimoji="1" lang="en-US" altLang="ja-JP" sz="800" dirty="0" smtClean="0">
-                  <a:solidFill>
-                    <a:schemeClr val="tx1"/>
-                  </a:solidFill>
-                  <a:latin typeface="+mj-lt"/>
-                </a:rPr>
-                <a:t>( </a:t>
+                <a:t>Draw( </a:t>
               </a:r>
               <a:r>
                 <a:rPr lang="en-US" altLang="ja-JP" sz="800" dirty="0" err="1" smtClean="0">
@@ -11579,16 +11534,7 @@
                   </a:solidFill>
                   <a:latin typeface="+mj-lt"/>
                 </a:rPr>
-                <a:t>Draw</a:t>
-              </a:r>
-              <a:r>
-                <a:rPr kumimoji="1" lang="en-US" altLang="ja-JP" sz="800" dirty="0" smtClean="0">
-                  <a:solidFill>
-                    <a:schemeClr val="tx1"/>
-                  </a:solidFill>
-                  <a:latin typeface="+mj-lt"/>
-                </a:rPr>
-                <a:t>( </a:t>
+                <a:t>Draw( </a:t>
               </a:r>
               <a:r>
                 <a:rPr lang="en-US" altLang="ja-JP" sz="800" dirty="0" err="1" smtClean="0">
@@ -12407,16 +12353,7 @@
                   </a:solidFill>
                   <a:latin typeface="+mj-lt"/>
                 </a:rPr>
-                <a:t>Draw</a:t>
-              </a:r>
-              <a:r>
-                <a:rPr kumimoji="1" lang="en-US" altLang="ja-JP" sz="800" dirty="0" smtClean="0">
-                  <a:solidFill>
-                    <a:schemeClr val="tx1"/>
-                  </a:solidFill>
-                  <a:latin typeface="+mj-lt"/>
-                </a:rPr>
-                <a:t>( </a:t>
+                <a:t>Draw( </a:t>
               </a:r>
               <a:r>
                 <a:rPr lang="en-US" altLang="ja-JP" sz="800" dirty="0" err="1" smtClean="0">
@@ -13256,11 +13193,7 @@
               <a:pPr algn="ctr"/>
               <a:r>
                 <a:rPr lang="ja-JP" altLang="en-US" dirty="0" smtClean="0"/>
-                <a:t>全体</a:t>
-              </a:r>
-              <a:r>
-                <a:rPr lang="ja-JP" altLang="en-US" dirty="0" smtClean="0"/>
-                <a:t>ＭＡＰ</a:t>
+                <a:t>全体ＭＡＰ</a:t>
               </a:r>
               <a:endParaRPr lang="en-US" altLang="ja-JP" dirty="0" smtClean="0"/>
             </a:p>
@@ -13447,16 +13380,7 @@
                   </a:solidFill>
                   <a:latin typeface="+mj-lt"/>
                 </a:rPr>
-                <a:t>Draw</a:t>
-              </a:r>
-              <a:r>
-                <a:rPr kumimoji="1" lang="en-US" altLang="ja-JP" sz="800" dirty="0" smtClean="0">
-                  <a:solidFill>
-                    <a:schemeClr val="tx1"/>
-                  </a:solidFill>
-                  <a:latin typeface="+mj-lt"/>
-                </a:rPr>
-                <a:t>( </a:t>
+                <a:t>Draw( </a:t>
               </a:r>
               <a:r>
                 <a:rPr lang="en-US" altLang="ja-JP" sz="800" dirty="0" err="1" smtClean="0">
@@ -14666,16 +14590,7 @@
                   </a:solidFill>
                   <a:latin typeface="+mj-lt"/>
                 </a:rPr>
-                <a:t>Draw</a:t>
-              </a:r>
-              <a:r>
-                <a:rPr kumimoji="1" lang="en-US" altLang="ja-JP" sz="800" dirty="0" smtClean="0">
-                  <a:solidFill>
-                    <a:schemeClr val="tx1"/>
-                  </a:solidFill>
-                  <a:latin typeface="+mj-lt"/>
-                </a:rPr>
-                <a:t>( </a:t>
+                <a:t>Draw( </a:t>
               </a:r>
               <a:r>
                 <a:rPr lang="en-US" altLang="ja-JP" sz="800" dirty="0" err="1" smtClean="0">
@@ -15155,7 +15070,15 @@
             <a:pPr algn="l"/>
             <a:r>
               <a:rPr lang="ja-JP" altLang="en-US" dirty="0" smtClean="0"/>
-              <a:t>磁界の基本クラス</a:t>
+              <a:t>磁界</a:t>
+            </a:r>
+            <a:r>
+              <a:rPr lang="ja-JP" altLang="en-US" dirty="0" smtClean="0"/>
+              <a:t>の基本</a:t>
+            </a:r>
+            <a:r>
+              <a:rPr lang="ja-JP" altLang="en-US" dirty="0" smtClean="0"/>
+              <a:t>クラス</a:t>
             </a:r>
             <a:endParaRPr kumimoji="1" lang="ja-JP" altLang="en-US" dirty="0"/>
           </a:p>
@@ -15275,6 +15198,40 @@
               <a:t>・磁石オブジェクトの描画</a:t>
             </a:r>
             <a:endParaRPr kumimoji="1" lang="en-US" altLang="ja-JP" dirty="0" smtClean="0"/>
+          </a:p>
+        </p:txBody>
+      </p:sp>
+      <p:sp>
+        <p:nvSpPr>
+          <p:cNvPr id="14" name="テキスト ボックス 13"/>
+          <p:cNvSpPr txBox="1"/>
+          <p:nvPr/>
+        </p:nvSpPr>
+        <p:spPr>
+          <a:xfrm>
+            <a:off x="7164288" y="548680"/>
+            <a:ext cx="1800200" cy="369332"/>
+          </a:xfrm>
+          <a:prstGeom prst="rect">
+            <a:avLst/>
+          </a:prstGeom>
+          <a:noFill/>
+        </p:spPr>
+        <p:txBody>
+          <a:bodyPr wrap="square" rtlCol="0">
+            <a:spAutoFit/>
+          </a:bodyPr>
+          <a:lstStyle/>
+          <a:p>
+            <a:r>
+              <a:rPr lang="en-US" altLang="ja-JP" dirty="0" smtClean="0"/>
+              <a:t>Class</a:t>
+            </a:r>
+            <a:r>
+              <a:rPr lang="ja-JP" altLang="en-US" dirty="0" smtClean="0"/>
+              <a:t>作成済み</a:t>
+            </a:r>
+            <a:endParaRPr kumimoji="1" lang="ja-JP" altLang="en-US" dirty="0"/>
           </a:p>
         </p:txBody>
       </p:sp>
@@ -15467,16 +15424,7 @@
                   </a:solidFill>
                   <a:latin typeface="+mj-lt"/>
                 </a:rPr>
-                <a:t>Draw</a:t>
-              </a:r>
-              <a:r>
-                <a:rPr kumimoji="1" lang="en-US" altLang="ja-JP" sz="800" dirty="0" smtClean="0">
-                  <a:solidFill>
-                    <a:schemeClr val="tx1"/>
-                  </a:solidFill>
-                  <a:latin typeface="+mj-lt"/>
-                </a:rPr>
-                <a:t>( </a:t>
+                <a:t>Draw( </a:t>
               </a:r>
               <a:r>
                 <a:rPr lang="en-US" altLang="ja-JP" sz="800" dirty="0" err="1" smtClean="0">
@@ -16674,6 +16622,40 @@
           <a:p>
             <a:pPr algn="ctr"/>
             <a:endParaRPr kumimoji="1" lang="ja-JP" altLang="en-US"/>
+          </a:p>
+        </p:txBody>
+      </p:sp>
+      <p:sp>
+        <p:nvSpPr>
+          <p:cNvPr id="8" name="テキスト ボックス 7"/>
+          <p:cNvSpPr txBox="1"/>
+          <p:nvPr/>
+        </p:nvSpPr>
+        <p:spPr>
+          <a:xfrm>
+            <a:off x="7164288" y="548680"/>
+            <a:ext cx="1800200" cy="369332"/>
+          </a:xfrm>
+          <a:prstGeom prst="rect">
+            <a:avLst/>
+          </a:prstGeom>
+          <a:noFill/>
+        </p:spPr>
+        <p:txBody>
+          <a:bodyPr wrap="square" rtlCol="0">
+            <a:spAutoFit/>
+          </a:bodyPr>
+          <a:lstStyle/>
+          <a:p>
+            <a:r>
+              <a:rPr lang="en-US" altLang="ja-JP" dirty="0" smtClean="0"/>
+              <a:t>Class</a:t>
+            </a:r>
+            <a:r>
+              <a:rPr lang="ja-JP" altLang="en-US" dirty="0" smtClean="0"/>
+              <a:t>作成済み</a:t>
+            </a:r>
+            <a:endParaRPr kumimoji="1" lang="ja-JP" altLang="en-US" dirty="0"/>
           </a:p>
         </p:txBody>
       </p:sp>
@@ -17183,6 +17165,40 @@
           </p:txBody>
         </p:sp>
       </p:grpSp>
+      <p:sp>
+        <p:nvSpPr>
+          <p:cNvPr id="14" name="テキスト ボックス 13"/>
+          <p:cNvSpPr txBox="1"/>
+          <p:nvPr/>
+        </p:nvSpPr>
+        <p:spPr>
+          <a:xfrm>
+            <a:off x="7164288" y="548680"/>
+            <a:ext cx="1800200" cy="369332"/>
+          </a:xfrm>
+          <a:prstGeom prst="rect">
+            <a:avLst/>
+          </a:prstGeom>
+          <a:noFill/>
+        </p:spPr>
+        <p:txBody>
+          <a:bodyPr wrap="square" rtlCol="0">
+            <a:spAutoFit/>
+          </a:bodyPr>
+          <a:lstStyle/>
+          <a:p>
+            <a:r>
+              <a:rPr lang="en-US" altLang="ja-JP" dirty="0" smtClean="0"/>
+              <a:t>Class</a:t>
+            </a:r>
+            <a:r>
+              <a:rPr lang="ja-JP" altLang="en-US" dirty="0" smtClean="0"/>
+              <a:t>作成済み</a:t>
+            </a:r>
+            <a:endParaRPr kumimoji="1" lang="ja-JP" altLang="en-US" dirty="0"/>
+          </a:p>
+        </p:txBody>
+      </p:sp>
     </p:spTree>
     <p:extLst>
       <p:ext uri="{BB962C8B-B14F-4D97-AF65-F5344CB8AC3E}">
@@ -19092,16 +19108,7 @@
                   </a:solidFill>
                   <a:latin typeface="+mj-lt"/>
                 </a:rPr>
-                <a:t>Draw</a:t>
-              </a:r>
-              <a:r>
-                <a:rPr kumimoji="1" lang="en-US" altLang="ja-JP" sz="800" dirty="0" smtClean="0">
-                  <a:solidFill>
-                    <a:schemeClr val="tx1"/>
-                  </a:solidFill>
-                  <a:latin typeface="+mj-lt"/>
-                </a:rPr>
-                <a:t>( </a:t>
+                <a:t>Draw( </a:t>
               </a:r>
               <a:r>
                 <a:rPr lang="en-US" altLang="ja-JP" sz="800" dirty="0" err="1" smtClean="0">
@@ -22044,16 +22051,7 @@
                   </a:solidFill>
                   <a:latin typeface="+mj-lt"/>
                 </a:rPr>
-                <a:t>Draw</a:t>
-              </a:r>
-              <a:r>
-                <a:rPr kumimoji="1" lang="en-US" altLang="ja-JP" sz="800" dirty="0" smtClean="0">
-                  <a:solidFill>
-                    <a:schemeClr val="tx1"/>
-                  </a:solidFill>
-                  <a:latin typeface="+mj-lt"/>
-                </a:rPr>
-                <a:t>( </a:t>
+                <a:t>Draw( </a:t>
               </a:r>
               <a:r>
                 <a:rPr lang="en-US" altLang="ja-JP" sz="800" dirty="0" err="1" smtClean="0">
@@ -23051,16 +23049,7 @@
                   </a:solidFill>
                   <a:latin typeface="+mj-lt"/>
                 </a:rPr>
-                <a:t>Draw</a:t>
-              </a:r>
-              <a:r>
-                <a:rPr kumimoji="1" lang="en-US" altLang="ja-JP" sz="800" dirty="0" smtClean="0">
-                  <a:solidFill>
-                    <a:schemeClr val="tx1"/>
-                  </a:solidFill>
-                  <a:latin typeface="+mj-lt"/>
-                </a:rPr>
-                <a:t>( </a:t>
+                <a:t>Draw( </a:t>
               </a:r>
               <a:r>
                 <a:rPr lang="en-US" altLang="ja-JP" sz="800" dirty="0" err="1" smtClean="0">
@@ -23562,6 +23551,40 @@
           </p:txBody>
         </p:sp>
       </p:grpSp>
+      <p:sp>
+        <p:nvSpPr>
+          <p:cNvPr id="16" name="テキスト ボックス 15"/>
+          <p:cNvSpPr txBox="1"/>
+          <p:nvPr/>
+        </p:nvSpPr>
+        <p:spPr>
+          <a:xfrm>
+            <a:off x="7164288" y="548680"/>
+            <a:ext cx="1800200" cy="369332"/>
+          </a:xfrm>
+          <a:prstGeom prst="rect">
+            <a:avLst/>
+          </a:prstGeom>
+          <a:noFill/>
+        </p:spPr>
+        <p:txBody>
+          <a:bodyPr wrap="square" rtlCol="0">
+            <a:spAutoFit/>
+          </a:bodyPr>
+          <a:lstStyle/>
+          <a:p>
+            <a:r>
+              <a:rPr lang="en-US" altLang="ja-JP" dirty="0" smtClean="0"/>
+              <a:t>Class</a:t>
+            </a:r>
+            <a:r>
+              <a:rPr lang="ja-JP" altLang="en-US" dirty="0" smtClean="0"/>
+              <a:t>作成済み</a:t>
+            </a:r>
+            <a:endParaRPr kumimoji="1" lang="ja-JP" altLang="en-US" dirty="0"/>
+          </a:p>
+        </p:txBody>
+      </p:sp>
     </p:spTree>
     <p:extLst>
       <p:ext uri="{BB962C8B-B14F-4D97-AF65-F5344CB8AC3E}">

--- a/Document/RequiredClasses.pptx
+++ b/Document/RequiredClasses.pptx
@@ -208,7 +208,7 @@
           <a:p>
             <a:fld id="{3501A94E-C7EB-4572-A384-9A9729E1D7C8}" type="datetimeFigureOut">
               <a:rPr kumimoji="1" lang="ja-JP" altLang="en-US" smtClean="0"/>
-              <a:t>2013/5/3</a:t>
+              <a:t>2013/5/13</a:t>
             </a:fld>
             <a:endParaRPr kumimoji="1" lang="ja-JP" altLang="en-US"/>
           </a:p>
@@ -2358,7 +2358,7 @@
           <a:p>
             <a:fld id="{E90ED720-0104-4369-84BC-D37694168613}" type="datetimeFigureOut">
               <a:rPr kumimoji="1" lang="ja-JP" altLang="en-US" smtClean="0"/>
-              <a:t>2013/5/3</a:t>
+              <a:t>2013/5/13</a:t>
             </a:fld>
             <a:endParaRPr kumimoji="1" lang="ja-JP" altLang="en-US"/>
           </a:p>
@@ -2602,7 +2602,7 @@
           <a:p>
             <a:fld id="{E90ED720-0104-4369-84BC-D37694168613}" type="datetimeFigureOut">
               <a:rPr kumimoji="1" lang="ja-JP" altLang="en-US" smtClean="0"/>
-              <a:t>2013/5/3</a:t>
+              <a:t>2013/5/13</a:t>
             </a:fld>
             <a:endParaRPr kumimoji="1" lang="ja-JP" altLang="en-US"/>
           </a:p>
@@ -2821,7 +2821,7 @@
           <a:p>
             <a:fld id="{E90ED720-0104-4369-84BC-D37694168613}" type="datetimeFigureOut">
               <a:rPr kumimoji="1" lang="ja-JP" altLang="en-US" smtClean="0"/>
-              <a:t>2013/5/3</a:t>
+              <a:t>2013/5/13</a:t>
             </a:fld>
             <a:endParaRPr kumimoji="1" lang="ja-JP" altLang="en-US"/>
           </a:p>
@@ -2918,7 +2918,7 @@
           <a:p>
             <a:fld id="{E90ED720-0104-4369-84BC-D37694168613}" type="datetimeFigureOut">
               <a:rPr kumimoji="1" lang="ja-JP" altLang="en-US" smtClean="0"/>
-              <a:t>2013/5/3</a:t>
+              <a:t>2013/5/13</a:t>
             </a:fld>
             <a:endParaRPr kumimoji="1" lang="ja-JP" altLang="en-US"/>
           </a:p>
@@ -3546,7 +3546,7 @@
           <a:p>
             <a:fld id="{E90ED720-0104-4369-84BC-D37694168613}" type="datetimeFigureOut">
               <a:rPr kumimoji="1" lang="ja-JP" altLang="en-US" smtClean="0"/>
-              <a:t>2013/5/3</a:t>
+              <a:t>2013/5/13</a:t>
             </a:fld>
             <a:endParaRPr kumimoji="1" lang="ja-JP" altLang="en-US"/>
           </a:p>
@@ -3643,7 +3643,7 @@
           <a:p>
             <a:fld id="{E90ED720-0104-4369-84BC-D37694168613}" type="datetimeFigureOut">
               <a:rPr kumimoji="1" lang="ja-JP" altLang="en-US" smtClean="0"/>
-              <a:t>2013/5/3</a:t>
+              <a:t>2013/5/13</a:t>
             </a:fld>
             <a:endParaRPr kumimoji="1" lang="ja-JP" altLang="en-US"/>
           </a:p>
@@ -4376,7 +4376,7 @@
           <a:p>
             <a:fld id="{E90ED720-0104-4369-84BC-D37694168613}" type="datetimeFigureOut">
               <a:rPr kumimoji="1" lang="ja-JP" altLang="en-US" smtClean="0"/>
-              <a:t>2013/5/3</a:t>
+              <a:t>2013/5/13</a:t>
             </a:fld>
             <a:endParaRPr kumimoji="1" lang="ja-JP" altLang="en-US"/>
           </a:p>
@@ -4519,7 +4519,7 @@
           <a:p>
             <a:fld id="{E90ED720-0104-4369-84BC-D37694168613}" type="datetimeFigureOut">
               <a:rPr kumimoji="1" lang="ja-JP" altLang="en-US" smtClean="0"/>
-              <a:t>2013/5/3</a:t>
+              <a:t>2013/5/13</a:t>
             </a:fld>
             <a:endParaRPr kumimoji="1" lang="ja-JP" altLang="en-US"/>
           </a:p>
@@ -4616,7 +4616,7 @@
           <a:p>
             <a:fld id="{E90ED720-0104-4369-84BC-D37694168613}" type="datetimeFigureOut">
               <a:rPr kumimoji="1" lang="ja-JP" altLang="en-US" smtClean="0"/>
-              <a:t>2013/5/3</a:t>
+              <a:t>2013/5/13</a:t>
             </a:fld>
             <a:endParaRPr kumimoji="1" lang="ja-JP" altLang="en-US"/>
           </a:p>
@@ -4932,7 +4932,7 @@
           <a:p>
             <a:fld id="{E90ED720-0104-4369-84BC-D37694168613}" type="datetimeFigureOut">
               <a:rPr kumimoji="1" lang="ja-JP" altLang="en-US" smtClean="0"/>
-              <a:t>2013/5/3</a:t>
+              <a:t>2013/5/13</a:t>
             </a:fld>
             <a:endParaRPr kumimoji="1" lang="ja-JP" altLang="en-US"/>
           </a:p>
@@ -5454,7 +5454,7 @@
           <a:p>
             <a:fld id="{E90ED720-0104-4369-84BC-D37694168613}" type="datetimeFigureOut">
               <a:rPr kumimoji="1" lang="ja-JP" altLang="en-US" smtClean="0"/>
-              <a:t>2013/5/3</a:t>
+              <a:t>2013/5/13</a:t>
             </a:fld>
             <a:endParaRPr kumimoji="1" lang="ja-JP" altLang="en-US"/>
           </a:p>
@@ -6006,7 +6006,7 @@
           <a:p>
             <a:fld id="{E90ED720-0104-4369-84BC-D37694168613}" type="datetimeFigureOut">
               <a:rPr kumimoji="1" lang="ja-JP" altLang="en-US" smtClean="0"/>
-              <a:t>2013/5/3</a:t>
+              <a:t>2013/5/13</a:t>
             </a:fld>
             <a:endParaRPr kumimoji="1" lang="ja-JP" altLang="en-US"/>
           </a:p>
@@ -14166,8 +14166,24 @@
               <a:t> 		: </a:t>
             </a:r>
             <a:r>
+              <a:rPr kumimoji="1" lang="en-US" altLang="ja-JP" b="1" dirty="0" smtClean="0"/>
+              <a:t>(</a:t>
+            </a:r>
+            <a:r>
+              <a:rPr kumimoji="1" lang="ja-JP" altLang="en-US" b="1" dirty="0" smtClean="0"/>
+              <a:t>完</a:t>
+            </a:r>
+            <a:r>
+              <a:rPr kumimoji="1" lang="en-US" altLang="ja-JP" b="1" dirty="0" smtClean="0"/>
+              <a:t>)</a:t>
+            </a:r>
+            <a:r>
               <a:rPr kumimoji="1" lang="ja-JP" altLang="en-US" dirty="0" smtClean="0"/>
-              <a:t>磁界の基本クラス</a:t>
+              <a:t>磁界</a:t>
+            </a:r>
+            <a:r>
+              <a:rPr kumimoji="1" lang="ja-JP" altLang="en-US" dirty="0" smtClean="0"/>
+              <a:t>の基本クラス</a:t>
             </a:r>
             <a:endParaRPr kumimoji="1" lang="en-US" altLang="ja-JP" dirty="0" smtClean="0"/>
           </a:p>
@@ -14183,8 +14199,24 @@
               <a:t>       		: </a:t>
             </a:r>
             <a:r>
+              <a:rPr lang="en-US" altLang="ja-JP" b="1" dirty="0" smtClean="0"/>
+              <a:t>(</a:t>
+            </a:r>
+            <a:r>
+              <a:rPr lang="ja-JP" altLang="en-US" b="1" dirty="0" smtClean="0"/>
+              <a:t>完</a:t>
+            </a:r>
+            <a:r>
+              <a:rPr lang="en-US" altLang="ja-JP" b="1" dirty="0" smtClean="0"/>
+              <a:t>)</a:t>
+            </a:r>
+            <a:r>
               <a:rPr lang="ja-JP" altLang="en-US" dirty="0" smtClean="0"/>
-              <a:t>ユーザ設置磁界</a:t>
+              <a:t>ユーザ</a:t>
+            </a:r>
+            <a:r>
+              <a:rPr lang="ja-JP" altLang="en-US" dirty="0" smtClean="0"/>
+              <a:t>設置磁界</a:t>
             </a:r>
             <a:endParaRPr lang="en-US" altLang="ja-JP" dirty="0" smtClean="0"/>
           </a:p>
@@ -14200,6 +14232,18 @@
               <a:t>          		: </a:t>
             </a:r>
             <a:r>
+              <a:rPr lang="en-US" altLang="ja-JP" b="1" dirty="0" smtClean="0"/>
+              <a:t>(</a:t>
+            </a:r>
+            <a:r>
+              <a:rPr lang="ja-JP" altLang="en-US" b="1" dirty="0" smtClean="0"/>
+              <a:t>完</a:t>
+            </a:r>
+            <a:r>
+              <a:rPr lang="en-US" altLang="ja-JP" b="1" dirty="0" smtClean="0"/>
+              <a:t>)</a:t>
+            </a:r>
+            <a:r>
               <a:rPr lang="ja-JP" altLang="en-US" dirty="0" smtClean="0"/>
               <a:t>自機</a:t>
             </a:r>
@@ -14217,8 +14261,36 @@
               <a:t>	: </a:t>
             </a:r>
             <a:r>
+              <a:rPr lang="en-US" altLang="ja-JP" b="1" dirty="0" smtClean="0">
+                <a:solidFill>
+                  <a:srgbClr val="FF0000"/>
+                </a:solidFill>
+              </a:rPr>
+              <a:t>(</a:t>
+            </a:r>
+            <a:r>
+              <a:rPr lang="ja-JP" altLang="en-US" b="1" dirty="0" smtClean="0">
+                <a:solidFill>
+                  <a:srgbClr val="FF0000"/>
+                </a:solidFill>
+              </a:rPr>
+              <a:t>中</a:t>
+            </a:r>
+            <a:r>
+              <a:rPr lang="en-US" altLang="ja-JP" b="1" dirty="0" smtClean="0">
+                <a:solidFill>
+                  <a:srgbClr val="FF0000"/>
+                </a:solidFill>
+              </a:rPr>
+              <a:t>)</a:t>
+            </a:r>
+            <a:r>
               <a:rPr lang="ja-JP" altLang="en-US" dirty="0" smtClean="0"/>
-              <a:t>初期配置用磁界クラス</a:t>
+              <a:t>初期</a:t>
+            </a:r>
+            <a:r>
+              <a:rPr lang="ja-JP" altLang="en-US" dirty="0" smtClean="0"/>
+              <a:t>配置用磁界クラス</a:t>
             </a:r>
             <a:endParaRPr lang="en-US" altLang="ja-JP" dirty="0" smtClean="0"/>
           </a:p>
@@ -14238,6 +14310,18 @@
               <a:t>	: </a:t>
             </a:r>
             <a:r>
+              <a:rPr lang="en-US" altLang="ja-JP" dirty="0" smtClean="0"/>
+              <a:t>(</a:t>
+            </a:r>
+            <a:r>
+              <a:rPr lang="ja-JP" altLang="en-US" dirty="0" smtClean="0"/>
+              <a:t>未</a:t>
+            </a:r>
+            <a:r>
+              <a:rPr lang="en-US" altLang="ja-JP" dirty="0" smtClean="0"/>
+              <a:t>)</a:t>
+            </a:r>
+            <a:r>
               <a:rPr lang="en-US" altLang="ja-JP" dirty="0" err="1" smtClean="0"/>
               <a:t>PlacementMagnet</a:t>
             </a:r>
@@ -14261,8 +14345,24 @@
               <a:t>		: </a:t>
             </a:r>
             <a:r>
+              <a:rPr lang="en-US" altLang="ja-JP" dirty="0" smtClean="0"/>
+              <a:t>(</a:t>
+            </a:r>
+            <a:r>
               <a:rPr lang="ja-JP" altLang="en-US" dirty="0" smtClean="0"/>
-              <a:t>軌道予測クラス</a:t>
+              <a:t>未</a:t>
+            </a:r>
+            <a:r>
+              <a:rPr lang="en-US" altLang="ja-JP" dirty="0" smtClean="0"/>
+              <a:t>)</a:t>
+            </a:r>
+            <a:r>
+              <a:rPr lang="ja-JP" altLang="en-US" dirty="0" smtClean="0"/>
+              <a:t>軌道</a:t>
+            </a:r>
+            <a:r>
+              <a:rPr lang="ja-JP" altLang="en-US" dirty="0" smtClean="0"/>
+              <a:t>予測クラス</a:t>
             </a:r>
             <a:endParaRPr lang="en-US" altLang="ja-JP" dirty="0" smtClean="0"/>
           </a:p>
@@ -14279,8 +14379,24 @@
               <a:t>			: </a:t>
             </a:r>
             <a:r>
+              <a:rPr lang="en-US" altLang="ja-JP" dirty="0" smtClean="0"/>
+              <a:t>(</a:t>
+            </a:r>
+            <a:r>
               <a:rPr lang="ja-JP" altLang="en-US" dirty="0" smtClean="0"/>
-              <a:t>壁のクラス</a:t>
+              <a:t>作</a:t>
+            </a:r>
+            <a:r>
+              <a:rPr lang="en-US" altLang="ja-JP" dirty="0" smtClean="0"/>
+              <a:t>)</a:t>
+            </a:r>
+            <a:r>
+              <a:rPr lang="ja-JP" altLang="en-US" dirty="0" smtClean="0"/>
+              <a:t>壁</a:t>
+            </a:r>
+            <a:r>
+              <a:rPr lang="ja-JP" altLang="en-US" dirty="0" smtClean="0"/>
+              <a:t>のクラス</a:t>
             </a:r>
             <a:endParaRPr lang="en-US" altLang="ja-JP" dirty="0" smtClean="0"/>
           </a:p>
@@ -14294,7 +14410,19 @@
             </a:r>
             <a:r>
               <a:rPr lang="en-US" altLang="ja-JP" dirty="0" smtClean="0"/>
-              <a:t>		: Wall</a:t>
+              <a:t>		: </a:t>
+            </a:r>
+            <a:r>
+              <a:rPr lang="en-US" altLang="ja-JP" dirty="0" smtClean="0"/>
+              <a:t>(</a:t>
+            </a:r>
+            <a:r>
+              <a:rPr lang="ja-JP" altLang="en-US" dirty="0" smtClean="0"/>
+              <a:t>未</a:t>
+            </a:r>
+            <a:r>
+              <a:rPr lang="en-US" altLang="ja-JP" dirty="0" smtClean="0"/>
+              <a:t>)Wall</a:t>
             </a:r>
             <a:r>
               <a:rPr lang="ja-JP" altLang="en-US" dirty="0" smtClean="0"/>
@@ -14315,8 +14443,24 @@
               <a:t>			: </a:t>
             </a:r>
             <a:r>
+              <a:rPr lang="en-US" altLang="ja-JP" dirty="0" smtClean="0"/>
+              <a:t>(</a:t>
+            </a:r>
+            <a:r>
               <a:rPr lang="ja-JP" altLang="en-US" dirty="0" smtClean="0"/>
-              <a:t>アイテムのクラス</a:t>
+              <a:t>完</a:t>
+            </a:r>
+            <a:r>
+              <a:rPr lang="en-US" altLang="ja-JP" dirty="0" smtClean="0"/>
+              <a:t>)</a:t>
+            </a:r>
+            <a:r>
+              <a:rPr lang="ja-JP" altLang="en-US" dirty="0" smtClean="0"/>
+              <a:t>アイテム</a:t>
+            </a:r>
+            <a:r>
+              <a:rPr lang="ja-JP" altLang="en-US" dirty="0" smtClean="0"/>
+              <a:t>のクラス</a:t>
             </a:r>
             <a:endParaRPr lang="en-US" altLang="ja-JP" dirty="0" smtClean="0"/>
           </a:p>
@@ -14329,7 +14473,19 @@
             </a:r>
             <a:r>
               <a:rPr lang="en-US" altLang="ja-JP" dirty="0" smtClean="0"/>
-              <a:t>		: Item</a:t>
+              <a:t>		: </a:t>
+            </a:r>
+            <a:r>
+              <a:rPr lang="en-US" altLang="ja-JP" dirty="0" smtClean="0"/>
+              <a:t>(</a:t>
+            </a:r>
+            <a:r>
+              <a:rPr lang="ja-JP" altLang="en-US" dirty="0" smtClean="0"/>
+              <a:t>未</a:t>
+            </a:r>
+            <a:r>
+              <a:rPr lang="en-US" altLang="ja-JP" dirty="0" smtClean="0"/>
+              <a:t>)Item</a:t>
             </a:r>
             <a:r>
               <a:rPr lang="ja-JP" altLang="en-US" dirty="0" smtClean="0"/>
@@ -14349,8 +14505,24 @@
               <a:t>			: </a:t>
             </a:r>
             <a:r>
+              <a:rPr lang="en-US" altLang="ja-JP" dirty="0" smtClean="0"/>
+              <a:t>(</a:t>
+            </a:r>
+            <a:r>
               <a:rPr lang="ja-JP" altLang="en-US" dirty="0" smtClean="0"/>
-              <a:t>ゲージのクラス</a:t>
+              <a:t>作</a:t>
+            </a:r>
+            <a:r>
+              <a:rPr lang="en-US" altLang="ja-JP" dirty="0" smtClean="0"/>
+              <a:t>)</a:t>
+            </a:r>
+            <a:r>
+              <a:rPr lang="ja-JP" altLang="en-US" dirty="0" smtClean="0"/>
+              <a:t>ゲージ</a:t>
+            </a:r>
+            <a:r>
+              <a:rPr lang="ja-JP" altLang="en-US" dirty="0" smtClean="0"/>
+              <a:t>のクラス</a:t>
             </a:r>
             <a:endParaRPr lang="en-US" altLang="ja-JP" dirty="0" smtClean="0"/>
           </a:p>
@@ -14366,8 +14538,24 @@
               <a:t>			: </a:t>
             </a:r>
             <a:r>
+              <a:rPr lang="en-US" altLang="ja-JP" dirty="0" smtClean="0"/>
+              <a:t>(</a:t>
+            </a:r>
+            <a:r>
               <a:rPr lang="ja-JP" altLang="en-US" dirty="0" smtClean="0"/>
-              <a:t>スタート時処理</a:t>
+              <a:t>中</a:t>
+            </a:r>
+            <a:r>
+              <a:rPr lang="en-US" altLang="ja-JP" dirty="0" smtClean="0"/>
+              <a:t>)</a:t>
+            </a:r>
+            <a:r>
+              <a:rPr lang="ja-JP" altLang="en-US" dirty="0" smtClean="0"/>
+              <a:t>スタート</a:t>
+            </a:r>
+            <a:r>
+              <a:rPr lang="ja-JP" altLang="en-US" dirty="0" smtClean="0"/>
+              <a:t>時処理</a:t>
             </a:r>
             <a:endParaRPr lang="en-US" altLang="ja-JP" dirty="0" smtClean="0"/>
           </a:p>
@@ -14383,6 +14571,30 @@
               <a:t>		: </a:t>
             </a:r>
             <a:r>
+              <a:rPr lang="en-US" altLang="ja-JP" b="1" dirty="0" smtClean="0">
+                <a:solidFill>
+                  <a:srgbClr val="FF0000"/>
+                </a:solidFill>
+              </a:rPr>
+              <a:t>(</a:t>
+            </a:r>
+            <a:r>
+              <a:rPr lang="ja-JP" altLang="en-US" b="1" dirty="0" smtClean="0">
+                <a:solidFill>
+                  <a:srgbClr val="FF0000"/>
+                </a:solidFill>
+              </a:rPr>
+              <a:t>未</a:t>
+            </a:r>
+            <a:r>
+              <a:rPr lang="en-US" altLang="ja-JP" b="1" dirty="0" smtClean="0">
+                <a:solidFill>
+                  <a:srgbClr val="FF0000"/>
+                </a:solidFill>
+              </a:rPr>
+              <a:t>)</a:t>
+            </a:r>
+            <a:r>
               <a:rPr lang="ja-JP" altLang="en-US" dirty="0" smtClean="0"/>
               <a:t>チェックポイント</a:t>
             </a:r>
@@ -14400,8 +14612,36 @@
               <a:t>		: </a:t>
             </a:r>
             <a:r>
+              <a:rPr lang="en-US" altLang="ja-JP" b="1" dirty="0" smtClean="0">
+                <a:solidFill>
+                  <a:srgbClr val="FF0000"/>
+                </a:solidFill>
+              </a:rPr>
+              <a:t>(</a:t>
+            </a:r>
+            <a:r>
+              <a:rPr lang="ja-JP" altLang="en-US" b="1" dirty="0" smtClean="0">
+                <a:solidFill>
+                  <a:srgbClr val="FF0000"/>
+                </a:solidFill>
+              </a:rPr>
+              <a:t>未</a:t>
+            </a:r>
+            <a:r>
+              <a:rPr lang="en-US" altLang="ja-JP" b="1" dirty="0" smtClean="0">
+                <a:solidFill>
+                  <a:srgbClr val="FF0000"/>
+                </a:solidFill>
+              </a:rPr>
+              <a:t>)</a:t>
+            </a:r>
+            <a:r>
               <a:rPr lang="ja-JP" altLang="en-US" dirty="0" smtClean="0"/>
-              <a:t>全体マップ</a:t>
+              <a:t>全体</a:t>
+            </a:r>
+            <a:r>
+              <a:rPr lang="ja-JP" altLang="en-US" dirty="0" smtClean="0"/>
+              <a:t>マップ</a:t>
             </a:r>
             <a:endParaRPr lang="en-US" altLang="ja-JP" dirty="0" smtClean="0"/>
           </a:p>
@@ -15070,15 +15310,7 @@
             <a:pPr algn="l"/>
             <a:r>
               <a:rPr lang="ja-JP" altLang="en-US" dirty="0" smtClean="0"/>
-              <a:t>磁界</a:t>
-            </a:r>
-            <a:r>
-              <a:rPr lang="ja-JP" altLang="en-US" dirty="0" smtClean="0"/>
-              <a:t>の基本</a:t>
-            </a:r>
-            <a:r>
-              <a:rPr lang="ja-JP" altLang="en-US" dirty="0" smtClean="0"/>
-              <a:t>クラス</a:t>
+              <a:t>磁界の基本クラス</a:t>
             </a:r>
             <a:endParaRPr kumimoji="1" lang="ja-JP" altLang="en-US" dirty="0"/>
           </a:p>
